--- a/2024-2025/Wyk/Wyklad0.pptx
+++ b/2024-2025/Wyk/Wyklad0.pptx
@@ -282,7 +282,7 @@
           <a:p>
             <a:fld id="{5113504E-0C99-2340-A5F6-DD6E1A87C372}" type="datetimeFigureOut">
               <a:rPr lang="pl-PL" smtClean="0"/>
-              <a:t>24.06.2024</a:t>
+              <a:t>01.10.2024</a:t>
             </a:fld>
             <a:endParaRPr lang="pl-PL"/>
           </a:p>
@@ -448,7 +448,7 @@
           <a:p>
             <a:fld id="{F78C933E-44E9-2D43-91B0-0D2BEEFA7EB9}" type="datetimeFigureOut">
               <a:rPr lang="pl-PL" smtClean="0"/>
-              <a:t>24.06.2024</a:t>
+              <a:t>01.10.2024</a:t>
             </a:fld>
             <a:endParaRPr lang="pl-PL"/>
           </a:p>
@@ -1849,7 +1849,7 @@
           <a:p>
             <a:fld id="{91017B01-0C30-B241-B19F-621BE4770608}" type="datetimeFigureOut">
               <a:rPr lang="pl-PL" smtClean="0"/>
-              <a:t>24.06.2024</a:t>
+              <a:t>01.10.2024</a:t>
             </a:fld>
             <a:endParaRPr lang="pl-PL"/>
           </a:p>
@@ -2018,7 +2018,7 @@
           <a:p>
             <a:fld id="{91017B01-0C30-B241-B19F-621BE4770608}" type="datetimeFigureOut">
               <a:rPr lang="pl-PL" smtClean="0"/>
-              <a:t>24.06.2024</a:t>
+              <a:t>01.10.2024</a:t>
             </a:fld>
             <a:endParaRPr lang="pl-PL"/>
           </a:p>
@@ -2197,7 +2197,7 @@
           <a:p>
             <a:fld id="{91017B01-0C30-B241-B19F-621BE4770608}" type="datetimeFigureOut">
               <a:rPr lang="pl-PL" smtClean="0"/>
-              <a:t>24.06.2024</a:t>
+              <a:t>01.10.2024</a:t>
             </a:fld>
             <a:endParaRPr lang="pl-PL"/>
           </a:p>
@@ -2366,7 +2366,7 @@
           <a:p>
             <a:fld id="{91017B01-0C30-B241-B19F-621BE4770608}" type="datetimeFigureOut">
               <a:rPr lang="pl-PL" smtClean="0"/>
-              <a:t>24.06.2024</a:t>
+              <a:t>01.10.2024</a:t>
             </a:fld>
             <a:endParaRPr lang="pl-PL"/>
           </a:p>
@@ -2612,7 +2612,7 @@
           <a:p>
             <a:fld id="{91017B01-0C30-B241-B19F-621BE4770608}" type="datetimeFigureOut">
               <a:rPr lang="pl-PL" smtClean="0"/>
-              <a:t>24.06.2024</a:t>
+              <a:t>01.10.2024</a:t>
             </a:fld>
             <a:endParaRPr lang="pl-PL"/>
           </a:p>
@@ -2898,7 +2898,7 @@
           <a:p>
             <a:fld id="{91017B01-0C30-B241-B19F-621BE4770608}" type="datetimeFigureOut">
               <a:rPr lang="pl-PL" smtClean="0"/>
-              <a:t>24.06.2024</a:t>
+              <a:t>01.10.2024</a:t>
             </a:fld>
             <a:endParaRPr lang="pl-PL"/>
           </a:p>
@@ -3318,7 +3318,7 @@
           <a:p>
             <a:fld id="{91017B01-0C30-B241-B19F-621BE4770608}" type="datetimeFigureOut">
               <a:rPr lang="pl-PL" smtClean="0"/>
-              <a:t>24.06.2024</a:t>
+              <a:t>01.10.2024</a:t>
             </a:fld>
             <a:endParaRPr lang="pl-PL"/>
           </a:p>
@@ -3436,7 +3436,7 @@
           <a:p>
             <a:fld id="{91017B01-0C30-B241-B19F-621BE4770608}" type="datetimeFigureOut">
               <a:rPr lang="pl-PL" smtClean="0"/>
-              <a:t>24.06.2024</a:t>
+              <a:t>01.10.2024</a:t>
             </a:fld>
             <a:endParaRPr lang="pl-PL"/>
           </a:p>
@@ -3532,7 +3532,7 @@
           <a:p>
             <a:fld id="{91017B01-0C30-B241-B19F-621BE4770608}" type="datetimeFigureOut">
               <a:rPr lang="pl-PL" smtClean="0"/>
-              <a:t>24.06.2024</a:t>
+              <a:t>01.10.2024</a:t>
             </a:fld>
             <a:endParaRPr lang="pl-PL"/>
           </a:p>
@@ -3809,7 +3809,7 @@
           <a:p>
             <a:fld id="{91017B01-0C30-B241-B19F-621BE4770608}" type="datetimeFigureOut">
               <a:rPr lang="pl-PL" smtClean="0"/>
-              <a:t>24.06.2024</a:t>
+              <a:t>01.10.2024</a:t>
             </a:fld>
             <a:endParaRPr lang="pl-PL"/>
           </a:p>
@@ -4065,7 +4065,7 @@
           <a:p>
             <a:fld id="{91017B01-0C30-B241-B19F-621BE4770608}" type="datetimeFigureOut">
               <a:rPr lang="pl-PL" smtClean="0"/>
-              <a:t>24.06.2024</a:t>
+              <a:t>01.10.2024</a:t>
             </a:fld>
             <a:endParaRPr lang="pl-PL"/>
           </a:p>
@@ -4277,7 +4277,7 @@
           <a:p>
             <a:fld id="{91017B01-0C30-B241-B19F-621BE4770608}" type="datetimeFigureOut">
               <a:rPr lang="pl-PL" smtClean="0"/>
-              <a:t>24.06.2024</a:t>
+              <a:t>01.10.2024</a:t>
             </a:fld>
             <a:endParaRPr lang="pl-PL"/>
           </a:p>
@@ -5094,7 +5094,7 @@
                 <a:ea typeface="Verdana" panose="020B0604030504040204" pitchFamily="34" charset="0"/>
                 <a:cs typeface="Verdana" panose="020B0604030504040204" pitchFamily="34" charset="0"/>
               </a:rPr>
-              <a:t>Skala ocen</a:t>
+              <a:t>Orientacyjna Skala ocen</a:t>
             </a:r>
           </a:p>
         </p:txBody>
@@ -5222,7 +5222,7 @@
                   <a:schemeClr val="bg1"/>
                 </a:solidFill>
               </a:rPr>
-              <a:t>4,0 – 4,5: +Moduł 3</a:t>
+              <a:t>4,0 – 4,5: +Moduł 3, Moduł 4</a:t>
             </a:r>
           </a:p>
           <a:p>
@@ -5239,7 +5239,7 @@
                   <a:schemeClr val="bg1"/>
                 </a:solidFill>
               </a:rPr>
-              <a:t>4,5 – 5,0: +Moduł 4</a:t>
+              <a:t>4,5 – 5,0: +Moduł 5</a:t>
             </a:r>
           </a:p>
         </p:txBody>
@@ -5308,7 +5308,7 @@
                   <a:schemeClr val="bg1"/>
                 </a:solidFill>
               </a:rPr>
-              <a:t>Opis:</a:t>
+              <a:t>Opis: Pierwsze zajęcia stycznia</a:t>
             </a:r>
             <a:endParaRPr lang="pl-PL" sz="2400" u="sng" dirty="0">
               <a:solidFill>
@@ -5325,12 +5325,12 @@
               <a:buChar char="•"/>
             </a:pPr>
             <a:r>
-              <a:rPr lang="pl-PL" sz="2400">
+              <a:rPr lang="pl-PL" sz="2400" dirty="0">
                 <a:solidFill>
                   <a:schemeClr val="bg1"/>
                 </a:solidFill>
               </a:rPr>
-              <a:t>Projekt:</a:t>
+              <a:t>Projekt: ostatni wykład/laboratorium</a:t>
             </a:r>
             <a:endParaRPr lang="pl-PL" sz="2400" u="sng" dirty="0">
               <a:solidFill>
@@ -6473,7 +6473,7 @@
                 <a:ea typeface="OpenSymbol"/>
                 <a:cs typeface="OpenSymbol"/>
               </a:rPr>
-              <a:t>Moduł 3 – Architektura Aplikacji (Kotlin, Java)</a:t>
+              <a:t>Moduł 3, 4 – Architektura Aplikacji (Kotlin, Java)</a:t>
             </a:r>
           </a:p>
           <a:p>
@@ -6636,7 +6636,7 @@
                 <a:ea typeface="OpenSymbol"/>
                 <a:cs typeface="OpenSymbol"/>
               </a:rPr>
-              <a:t>Stan W Aplikacji – </a:t>
+              <a:t>Stan w Aplikacji – </a:t>
             </a:r>
             <a:r>
               <a:rPr lang="pl-PL" sz="1600" kern="150" dirty="0" err="1">
@@ -6777,7 +6777,7 @@
                 <a:ea typeface="OpenSymbol"/>
                 <a:cs typeface="OpenSymbol"/>
               </a:rPr>
-              <a:t>Moduł 4 – Praca Z Zewnętrznymi Źródłami Danych (Kotlin, Java)</a:t>
+              <a:t>Moduł 5 – Praca Z Zewnętrznymi Źródłami Danych (Kotlin, Java)</a:t>
             </a:r>
           </a:p>
           <a:p>
@@ -7386,7 +7386,7 @@
         <p:spPr>
           <a:xfrm>
             <a:off x="4352669" y="5517232"/>
-            <a:ext cx="1345240" cy="830997"/>
+            <a:ext cx="1345240" cy="1200329"/>
           </a:xfrm>
           <a:prstGeom prst="rect">
             <a:avLst/>
@@ -7416,6 +7416,16 @@
                 </a:solidFill>
               </a:rPr>
               <a:t>Moduł 4</a:t>
+            </a:r>
+          </a:p>
+          <a:p>
+            <a:r>
+              <a:rPr lang="pl-PL" sz="2400" b="1" dirty="0">
+                <a:solidFill>
+                  <a:schemeClr val="bg1"/>
+                </a:solidFill>
+              </a:rPr>
+              <a:t>Moduł 5</a:t>
             </a:r>
           </a:p>
         </p:txBody>
